--- a/ПаньковИС/report/Быстрое преобразование Фурье.pptx
+++ b/ПаньковИС/report/Быстрое преобразование Фурье.pptx
@@ -278,7 +278,7 @@
           <a:p>
             <a:fld id="{E45089AB-84D5-4DD0-8B85-320CD56F6D16}" type="datetimeFigureOut">
               <a:rPr lang="ru-RU" smtClean="0"/>
-              <a:t>21.12.2020</a:t>
+              <a:t>22.12.2020</a:t>
             </a:fld>
             <a:endParaRPr lang="ru-RU"/>
           </a:p>
@@ -476,7 +476,7 @@
           <a:p>
             <a:fld id="{E45089AB-84D5-4DD0-8B85-320CD56F6D16}" type="datetimeFigureOut">
               <a:rPr lang="ru-RU" smtClean="0"/>
-              <a:t>21.12.2020</a:t>
+              <a:t>22.12.2020</a:t>
             </a:fld>
             <a:endParaRPr lang="ru-RU"/>
           </a:p>
@@ -684,7 +684,7 @@
           <a:p>
             <a:fld id="{E45089AB-84D5-4DD0-8B85-320CD56F6D16}" type="datetimeFigureOut">
               <a:rPr lang="ru-RU" smtClean="0"/>
-              <a:t>21.12.2020</a:t>
+              <a:t>22.12.2020</a:t>
             </a:fld>
             <a:endParaRPr lang="ru-RU"/>
           </a:p>
@@ -882,7 +882,7 @@
           <a:p>
             <a:fld id="{E45089AB-84D5-4DD0-8B85-320CD56F6D16}" type="datetimeFigureOut">
               <a:rPr lang="ru-RU" smtClean="0"/>
-              <a:t>21.12.2020</a:t>
+              <a:t>22.12.2020</a:t>
             </a:fld>
             <a:endParaRPr lang="ru-RU"/>
           </a:p>
@@ -1157,7 +1157,7 @@
           <a:p>
             <a:fld id="{E45089AB-84D5-4DD0-8B85-320CD56F6D16}" type="datetimeFigureOut">
               <a:rPr lang="ru-RU" smtClean="0"/>
-              <a:t>21.12.2020</a:t>
+              <a:t>22.12.2020</a:t>
             </a:fld>
             <a:endParaRPr lang="ru-RU"/>
           </a:p>
@@ -1422,7 +1422,7 @@
           <a:p>
             <a:fld id="{E45089AB-84D5-4DD0-8B85-320CD56F6D16}" type="datetimeFigureOut">
               <a:rPr lang="ru-RU" smtClean="0"/>
-              <a:t>21.12.2020</a:t>
+              <a:t>22.12.2020</a:t>
             </a:fld>
             <a:endParaRPr lang="ru-RU"/>
           </a:p>
@@ -1834,7 +1834,7 @@
           <a:p>
             <a:fld id="{E45089AB-84D5-4DD0-8B85-320CD56F6D16}" type="datetimeFigureOut">
               <a:rPr lang="ru-RU" smtClean="0"/>
-              <a:t>21.12.2020</a:t>
+              <a:t>22.12.2020</a:t>
             </a:fld>
             <a:endParaRPr lang="ru-RU"/>
           </a:p>
@@ -1975,7 +1975,7 @@
           <a:p>
             <a:fld id="{E45089AB-84D5-4DD0-8B85-320CD56F6D16}" type="datetimeFigureOut">
               <a:rPr lang="ru-RU" smtClean="0"/>
-              <a:t>21.12.2020</a:t>
+              <a:t>22.12.2020</a:t>
             </a:fld>
             <a:endParaRPr lang="ru-RU"/>
           </a:p>
@@ -2088,7 +2088,7 @@
           <a:p>
             <a:fld id="{E45089AB-84D5-4DD0-8B85-320CD56F6D16}" type="datetimeFigureOut">
               <a:rPr lang="ru-RU" smtClean="0"/>
-              <a:t>21.12.2020</a:t>
+              <a:t>22.12.2020</a:t>
             </a:fld>
             <a:endParaRPr lang="ru-RU"/>
           </a:p>
@@ -2399,7 +2399,7 @@
           <a:p>
             <a:fld id="{E45089AB-84D5-4DD0-8B85-320CD56F6D16}" type="datetimeFigureOut">
               <a:rPr lang="ru-RU" smtClean="0"/>
-              <a:t>21.12.2020</a:t>
+              <a:t>22.12.2020</a:t>
             </a:fld>
             <a:endParaRPr lang="ru-RU"/>
           </a:p>
@@ -2687,7 +2687,7 @@
           <a:p>
             <a:fld id="{E45089AB-84D5-4DD0-8B85-320CD56F6D16}" type="datetimeFigureOut">
               <a:rPr lang="ru-RU" smtClean="0"/>
-              <a:t>21.12.2020</a:t>
+              <a:t>22.12.2020</a:t>
             </a:fld>
             <a:endParaRPr lang="ru-RU"/>
           </a:p>
@@ -2928,7 +2928,7 @@
           <a:p>
             <a:fld id="{E45089AB-84D5-4DD0-8B85-320CD56F6D16}" type="datetimeFigureOut">
               <a:rPr lang="ru-RU" smtClean="0"/>
-              <a:t>21.12.2020</a:t>
+              <a:t>22.12.2020</a:t>
             </a:fld>
             <a:endParaRPr lang="ru-RU"/>
           </a:p>
@@ -5375,25 +5375,25 @@
           <p:nvPr>
             <p:extLst>
               <p:ext uri="{D42A27DB-BD31-4B8C-83A1-F6EECF244321}">
-                <p14:modId xmlns:p14="http://schemas.microsoft.com/office/powerpoint/2010/main" val="758882822"/>
+                <p14:modId xmlns:p14="http://schemas.microsoft.com/office/powerpoint/2010/main" val="2731062785"/>
               </p:ext>
             </p:extLst>
           </p:nvPr>
         </p:nvGraphicFramePr>
         <p:xfrm>
-          <a:off x="4089400" y="3564085"/>
-          <a:ext cx="4013200" cy="711200"/>
+          <a:off x="4025900" y="3564085"/>
+          <a:ext cx="4140200" cy="711200"/>
         </p:xfrm>
         <a:graphic>
           <a:graphicData uri="http://schemas.openxmlformats.org/presentationml/2006/ole">
             <mc:AlternateContent xmlns:mc="http://schemas.openxmlformats.org/markup-compatibility/2006">
               <mc:Choice xmlns:v="urn:schemas-microsoft-com:vml" Requires="v">
-                <p:oleObj name="Equation" r:id="rId4" imgW="4012920" imgH="711000" progId="Equation.DSMT4">
+                <p:oleObj name="Equation" r:id="rId4" imgW="4140000" imgH="711000" progId="Equation.DSMT4">
                   <p:embed/>
                 </p:oleObj>
               </mc:Choice>
               <mc:Fallback>
-                <p:oleObj name="Equation" r:id="rId4" imgW="4012920" imgH="711000" progId="Equation.DSMT4">
+                <p:oleObj name="Equation" r:id="rId4" imgW="4140000" imgH="711000" progId="Equation.DSMT4">
                   <p:embed/>
                   <p:pic>
                     <p:nvPicPr>
@@ -5409,8 +5409,8 @@
                     </p:blipFill>
                     <p:spPr>
                       <a:xfrm>
-                        <a:off x="4089400" y="3564085"/>
-                        <a:ext cx="4013200" cy="711200"/>
+                        <a:off x="4025900" y="3564085"/>
+                        <a:ext cx="4140200" cy="711200"/>
                       </a:xfrm>
                       <a:prstGeom prst="rect">
                         <a:avLst/>
@@ -5438,25 +5438,25 @@
           <p:nvPr>
             <p:extLst>
               <p:ext uri="{D42A27DB-BD31-4B8C-83A1-F6EECF244321}">
-                <p14:modId xmlns:p14="http://schemas.microsoft.com/office/powerpoint/2010/main" val="223997242"/>
+                <p14:modId xmlns:p14="http://schemas.microsoft.com/office/powerpoint/2010/main" val="1945720580"/>
               </p:ext>
             </p:extLst>
           </p:nvPr>
         </p:nvGraphicFramePr>
         <p:xfrm>
-          <a:off x="3257550" y="4373783"/>
-          <a:ext cx="5676900" cy="838200"/>
+          <a:off x="3327400" y="4373783"/>
+          <a:ext cx="5537200" cy="838200"/>
         </p:xfrm>
         <a:graphic>
           <a:graphicData uri="http://schemas.openxmlformats.org/presentationml/2006/ole">
             <mc:AlternateContent xmlns:mc="http://schemas.openxmlformats.org/markup-compatibility/2006">
               <mc:Choice xmlns:v="urn:schemas-microsoft-com:vml" Requires="v">
-                <p:oleObj name="Equation" r:id="rId6" imgW="5676840" imgH="838080" progId="Equation.DSMT4">
+                <p:oleObj name="Equation" r:id="rId6" imgW="5537160" imgH="838080" progId="Equation.DSMT4">
                   <p:embed/>
                 </p:oleObj>
               </mc:Choice>
               <mc:Fallback>
-                <p:oleObj name="Equation" r:id="rId6" imgW="5676840" imgH="838080" progId="Equation.DSMT4">
+                <p:oleObj name="Equation" r:id="rId6" imgW="5537160" imgH="838080" progId="Equation.DSMT4">
                   <p:embed/>
                   <p:pic>
                     <p:nvPicPr>
@@ -5472,8 +5472,8 @@
                     </p:blipFill>
                     <p:spPr>
                       <a:xfrm>
-                        <a:off x="3257550" y="4373783"/>
-                        <a:ext cx="5676900" cy="838200"/>
+                        <a:off x="3327400" y="4373783"/>
+                        <a:ext cx="5537200" cy="838200"/>
                       </a:xfrm>
                       <a:prstGeom prst="rect">
                         <a:avLst/>
@@ -6161,25 +6161,25 @@
           <p:nvPr>
             <p:extLst>
               <p:ext uri="{D42A27DB-BD31-4B8C-83A1-F6EECF244321}">
-                <p14:modId xmlns:p14="http://schemas.microsoft.com/office/powerpoint/2010/main" val="1318423367"/>
+                <p14:modId xmlns:p14="http://schemas.microsoft.com/office/powerpoint/2010/main" val="629526781"/>
               </p:ext>
             </p:extLst>
           </p:nvPr>
         </p:nvGraphicFramePr>
         <p:xfrm>
-          <a:off x="2367175" y="5095875"/>
-          <a:ext cx="7416800" cy="1003300"/>
+          <a:off x="2520950" y="5095875"/>
+          <a:ext cx="7150100" cy="1003300"/>
         </p:xfrm>
         <a:graphic>
           <a:graphicData uri="http://schemas.openxmlformats.org/presentationml/2006/ole">
             <mc:AlternateContent xmlns:mc="http://schemas.openxmlformats.org/markup-compatibility/2006">
               <mc:Choice xmlns:v="urn:schemas-microsoft-com:vml" Requires="v">
-                <p:oleObj name="Equation" r:id="rId4" imgW="7416720" imgH="1002960" progId="Equation.DSMT4">
+                <p:oleObj name="Equation" r:id="rId4" imgW="7149960" imgH="1002960" progId="Equation.DSMT4">
                   <p:embed/>
                 </p:oleObj>
               </mc:Choice>
               <mc:Fallback>
-                <p:oleObj name="Equation" r:id="rId4" imgW="7416720" imgH="1002960" progId="Equation.DSMT4">
+                <p:oleObj name="Equation" r:id="rId4" imgW="7149960" imgH="1002960" progId="Equation.DSMT4">
                   <p:embed/>
                   <p:pic>
                     <p:nvPicPr>
@@ -6195,8 +6195,8 @@
                     </p:blipFill>
                     <p:spPr>
                       <a:xfrm>
-                        <a:off x="2367175" y="5095875"/>
-                        <a:ext cx="7416800" cy="1003300"/>
+                        <a:off x="2520950" y="5095875"/>
+                        <a:ext cx="7150100" cy="1003300"/>
                       </a:xfrm>
                       <a:prstGeom prst="rect">
                         <a:avLst/>
@@ -10498,7 +10498,7 @@
               <a:rPr lang="en-US" sz="1200" dirty="0">
                 <a:latin typeface="Consolas" panose="020B0609020204030204" pitchFamily="49" charset="0"/>
               </a:rPr>
-              <a:t> ? </a:t>
+              <a:t> ? 1 : </a:t>
             </a:r>
             <a:r>
               <a:rPr lang="ru-RU" sz="1200" dirty="0">
@@ -10510,7 +10510,7 @@
               <a:rPr lang="en-US" sz="1200" dirty="0">
                 <a:latin typeface="Consolas" panose="020B0609020204030204" pitchFamily="49" charset="0"/>
               </a:rPr>
-              <a:t>1 : 1);             // </a:t>
+              <a:t>1);             // </a:t>
             </a:r>
             <a:r>
               <a:rPr lang="ru-RU" sz="1200" dirty="0">
@@ -15366,25 +15366,25 @@
           <p:nvPr>
             <p:extLst>
               <p:ext uri="{D42A27DB-BD31-4B8C-83A1-F6EECF244321}">
-                <p14:modId xmlns:p14="http://schemas.microsoft.com/office/powerpoint/2010/main" val="3369355801"/>
+                <p14:modId xmlns:p14="http://schemas.microsoft.com/office/powerpoint/2010/main" val="3724177062"/>
               </p:ext>
             </p:extLst>
           </p:nvPr>
         </p:nvGraphicFramePr>
         <p:xfrm>
-          <a:off x="2764999" y="2436404"/>
-          <a:ext cx="6743700" cy="520700"/>
+          <a:off x="2654300" y="2436404"/>
+          <a:ext cx="6883400" cy="520700"/>
         </p:xfrm>
         <a:graphic>
           <a:graphicData uri="http://schemas.openxmlformats.org/presentationml/2006/ole">
             <mc:AlternateContent xmlns:mc="http://schemas.openxmlformats.org/markup-compatibility/2006">
               <mc:Choice xmlns:v="urn:schemas-microsoft-com:vml" Requires="v">
-                <p:oleObj name="Equation" r:id="rId4" imgW="6743520" imgH="520560" progId="Equation.DSMT4">
+                <p:oleObj name="Equation" r:id="rId4" imgW="6883200" imgH="520560" progId="Equation.DSMT4">
                   <p:embed/>
                 </p:oleObj>
               </mc:Choice>
               <mc:Fallback>
-                <p:oleObj name="Equation" r:id="rId4" imgW="6743520" imgH="520560" progId="Equation.DSMT4">
+                <p:oleObj name="Equation" r:id="rId4" imgW="6883200" imgH="520560" progId="Equation.DSMT4">
                   <p:embed/>
                   <p:pic>
                     <p:nvPicPr>
@@ -15400,8 +15400,8 @@
                     </p:blipFill>
                     <p:spPr>
                       <a:xfrm>
-                        <a:off x="2764999" y="2436404"/>
-                        <a:ext cx="6743700" cy="520700"/>
+                        <a:off x="2654300" y="2436404"/>
+                        <a:ext cx="6883400" cy="520700"/>
                       </a:xfrm>
                       <a:prstGeom prst="rect">
                         <a:avLst/>
@@ -15429,25 +15429,25 @@
           <p:nvPr>
             <p:extLst>
               <p:ext uri="{D42A27DB-BD31-4B8C-83A1-F6EECF244321}">
-                <p14:modId xmlns:p14="http://schemas.microsoft.com/office/powerpoint/2010/main" val="3791645405"/>
+                <p14:modId xmlns:p14="http://schemas.microsoft.com/office/powerpoint/2010/main" val="2692156050"/>
               </p:ext>
             </p:extLst>
           </p:nvPr>
         </p:nvGraphicFramePr>
         <p:xfrm>
-          <a:off x="4155649" y="3645489"/>
-          <a:ext cx="3962400" cy="1003300"/>
+          <a:off x="4044950" y="3644459"/>
+          <a:ext cx="4102100" cy="1003300"/>
         </p:xfrm>
         <a:graphic>
           <a:graphicData uri="http://schemas.openxmlformats.org/presentationml/2006/ole">
             <mc:AlternateContent xmlns:mc="http://schemas.openxmlformats.org/markup-compatibility/2006">
               <mc:Choice xmlns:v="urn:schemas-microsoft-com:vml" Requires="v">
-                <p:oleObj name="Equation" r:id="rId6" imgW="3962160" imgH="1002960" progId="Equation.DSMT4">
+                <p:oleObj name="Equation" r:id="rId6" imgW="4101840" imgH="1002960" progId="Equation.DSMT4">
                   <p:embed/>
                 </p:oleObj>
               </mc:Choice>
               <mc:Fallback>
-                <p:oleObj name="Equation" r:id="rId6" imgW="3962160" imgH="1002960" progId="Equation.DSMT4">
+                <p:oleObj name="Equation" r:id="rId6" imgW="4101840" imgH="1002960" progId="Equation.DSMT4">
                   <p:embed/>
                   <p:pic>
                     <p:nvPicPr>
@@ -15463,8 +15463,8 @@
                     </p:blipFill>
                     <p:spPr>
                       <a:xfrm>
-                        <a:off x="4155649" y="3645489"/>
-                        <a:ext cx="3962400" cy="1003300"/>
+                        <a:off x="4044950" y="3644459"/>
+                        <a:ext cx="4102100" cy="1003300"/>
                       </a:xfrm>
                       <a:prstGeom prst="rect">
                         <a:avLst/>
@@ -15492,25 +15492,25 @@
           <p:nvPr>
             <p:extLst>
               <p:ext uri="{D42A27DB-BD31-4B8C-83A1-F6EECF244321}">
-                <p14:modId xmlns:p14="http://schemas.microsoft.com/office/powerpoint/2010/main" val="2998112728"/>
+                <p14:modId xmlns:p14="http://schemas.microsoft.com/office/powerpoint/2010/main" val="1590211885"/>
               </p:ext>
             </p:extLst>
           </p:nvPr>
         </p:nvGraphicFramePr>
         <p:xfrm>
-          <a:off x="890506" y="4867275"/>
-          <a:ext cx="3949700" cy="469900"/>
+          <a:off x="723393" y="4865214"/>
+          <a:ext cx="4076700" cy="469900"/>
         </p:xfrm>
         <a:graphic>
           <a:graphicData uri="http://schemas.openxmlformats.org/presentationml/2006/ole">
             <mc:AlternateContent xmlns:mc="http://schemas.openxmlformats.org/markup-compatibility/2006">
               <mc:Choice xmlns:v="urn:schemas-microsoft-com:vml" Requires="v">
-                <p:oleObj name="Equation" r:id="rId8" imgW="3949560" imgH="469800" progId="Equation.DSMT4">
+                <p:oleObj name="Equation" r:id="rId8" imgW="4076640" imgH="469800" progId="Equation.DSMT4">
                   <p:embed/>
                 </p:oleObj>
               </mc:Choice>
               <mc:Fallback>
-                <p:oleObj name="Equation" r:id="rId8" imgW="3949560" imgH="469800" progId="Equation.DSMT4">
+                <p:oleObj name="Equation" r:id="rId8" imgW="4076640" imgH="469800" progId="Equation.DSMT4">
                   <p:embed/>
                   <p:pic>
                     <p:nvPicPr>
@@ -15526,8 +15526,8 @@
                     </p:blipFill>
                     <p:spPr>
                       <a:xfrm>
-                        <a:off x="890506" y="4867275"/>
-                        <a:ext cx="3949700" cy="469900"/>
+                        <a:off x="723393" y="4865214"/>
+                        <a:ext cx="4076700" cy="469900"/>
                       </a:xfrm>
                       <a:prstGeom prst="rect">
                         <a:avLst/>
@@ -15555,25 +15555,25 @@
           <p:nvPr>
             <p:extLst>
               <p:ext uri="{D42A27DB-BD31-4B8C-83A1-F6EECF244321}">
-                <p14:modId xmlns:p14="http://schemas.microsoft.com/office/powerpoint/2010/main" val="775305711"/>
+                <p14:modId xmlns:p14="http://schemas.microsoft.com/office/powerpoint/2010/main" val="1106222392"/>
               </p:ext>
             </p:extLst>
           </p:nvPr>
         </p:nvGraphicFramePr>
         <p:xfrm>
-          <a:off x="2923520" y="5337174"/>
-          <a:ext cx="8318500" cy="1003300"/>
+          <a:off x="2761743" y="5335114"/>
+          <a:ext cx="8864600" cy="1003300"/>
         </p:xfrm>
         <a:graphic>
           <a:graphicData uri="http://schemas.openxmlformats.org/presentationml/2006/ole">
             <mc:AlternateContent xmlns:mc="http://schemas.openxmlformats.org/markup-compatibility/2006">
               <mc:Choice xmlns:v="urn:schemas-microsoft-com:vml" Requires="v">
-                <p:oleObj name="Equation" r:id="rId10" imgW="8318160" imgH="1002960" progId="Equation.DSMT4">
+                <p:oleObj name="Equation" r:id="rId10" imgW="8864280" imgH="1002960" progId="Equation.DSMT4">
                   <p:embed/>
                 </p:oleObj>
               </mc:Choice>
               <mc:Fallback>
-                <p:oleObj name="Equation" r:id="rId10" imgW="8318160" imgH="1002960" progId="Equation.DSMT4">
+                <p:oleObj name="Equation" r:id="rId10" imgW="8864280" imgH="1002960" progId="Equation.DSMT4">
                   <p:embed/>
                   <p:pic>
                     <p:nvPicPr>
@@ -15589,8 +15589,8 @@
                     </p:blipFill>
                     <p:spPr>
                       <a:xfrm>
-                        <a:off x="2923520" y="5337174"/>
-                        <a:ext cx="8318500" cy="1003300"/>
+                        <a:off x="2761743" y="5335114"/>
+                        <a:ext cx="8864600" cy="1003300"/>
                       </a:xfrm>
                       <a:prstGeom prst="rect">
                         <a:avLst/>
